--- a/study2/docs/figure.pptx
+++ b/study2/docs/figure.pptx
@@ -4446,7 +4446,7 @@
                     <a:ea typeface="Aptos" panose="020B0004020202020204" pitchFamily="34" charset="0"/>
                     <a:cs typeface="Arial" panose="020B0604020202020204" pitchFamily="34" charset="0"/>
                   </a:rPr>
-                  <a:t>Demographics Information</a:t>
+                  <a:t>Demographic Information</a:t>
                 </a:r>
               </a:p>
             </p:txBody>
@@ -4962,7 +4962,29 @@
                     <a:ea typeface="Aptos" panose="020B0004020202020204" pitchFamily="34" charset="0"/>
                     <a:cs typeface="Arial" panose="020B0604020202020204" pitchFamily="34" charset="0"/>
                   </a:rPr>
-                  <a:t>Physical exercise &amp; Wearables Questions</a:t>
+                  <a:t>Physical </a:t>
+                </a:r>
+                <a:r>
+                  <a:rPr lang="en-GB" sz="1600" b="1" kern="100">
+                    <a:solidFill>
+                      <a:schemeClr val="tx1"/>
+                    </a:solidFill>
+                    <a:latin typeface="Arial" panose="020B0604020202020204" pitchFamily="34" charset="0"/>
+                    <a:ea typeface="Aptos" panose="020B0004020202020204" pitchFamily="34" charset="0"/>
+                    <a:cs typeface="Arial" panose="020B0604020202020204" pitchFamily="34" charset="0"/>
+                  </a:rPr>
+                  <a:t>Exercise and </a:t>
+                </a:r>
+                <a:r>
+                  <a:rPr lang="en-GB" sz="1600" b="1" kern="100" dirty="0">
+                    <a:solidFill>
+                      <a:schemeClr val="tx1"/>
+                    </a:solidFill>
+                    <a:latin typeface="Arial" panose="020B0604020202020204" pitchFamily="34" charset="0"/>
+                    <a:ea typeface="Aptos" panose="020B0004020202020204" pitchFamily="34" charset="0"/>
+                    <a:cs typeface="Arial" panose="020B0604020202020204" pitchFamily="34" charset="0"/>
+                  </a:rPr>
+                  <a:t>Wearables Questions</a:t>
                 </a:r>
                 <a:endParaRPr lang="en-GB" b="1" kern="100" dirty="0">
                   <a:solidFill>
